--- a/solutions/cisco/network/sd-wan-enterprise/presales/solution-briefing.pptx
+++ b/solutions/cisco/network/sd-wan-enterprise/presales/solution-briefing.pptx
@@ -4814,19 +4814,19 @@
           <a:p>
             <a:pPr lvl="1"/>
             <a:r>
-              <a:t>25x Cisco ISR 4331 branch routers with dual WAN ports and integrated security</a:t>
+              <a:t>25x Cisco ISR 4331 branch routers with dual WAN and integrated security</a:t>
             </a:r>
           </a:p>
           <a:p>
             <a:pPr lvl="1"/>
             <a:r>
-              <a:t>2x Cisco ISR 4451 hub routers at data centers providing redundant aggregation</a:t>
+              <a:t>2x Cisco ISR 4451 hub routers providing redundant data center aggregation</a:t>
             </a:r>
           </a:p>
           <a:p>
             <a:pPr lvl="1"/>
             <a:r>
-              <a:t>vManage, vSmart, vBond virtual controllers for centralized orchestration</a:t>
+              <a:t>vManage, vSmart, vBond controllers for centralized orchestration</a:t>
             </a:r>
           </a:p>
           <a:p>
@@ -4839,31 +4839,19 @@
           <a:p>
             <a:pPr lvl="1"/>
             <a:r>
-              <a:t>Edge Platform: Cisco ISR 4300/4400 series routers with SD-WAN software</a:t>
+              <a:t>Platform: Cisco ISR 4300/4400 SD-WAN with dual broadband and LTE backup</a:t>
             </a:r>
           </a:p>
           <a:p>
             <a:pPr lvl="1"/>
             <a:r>
-              <a:t>Controllers: vManage (management), vSmart (control), vBond (orchestration)</a:t>
+              <a:t>Application Routing: SLA-based policies for Office 365, VoIP, and ERP</a:t>
             </a:r>
           </a:p>
           <a:p>
             <a:pPr lvl="1"/>
             <a:r>
-              <a:t>WAN Transport: Dual broadband (100 Mbps) + LTE backup per site</a:t>
-            </a:r>
-          </a:p>
-          <a:p>
-            <a:pPr lvl="1"/>
-            <a:r>
-              <a:t>Application Routing: SLA-based policies for Office 365, VoIP, ERP traffic</a:t>
-            </a:r>
-          </a:p>
-          <a:p>
-            <a:pPr lvl="1"/>
-            <a:r>
-              <a:t>Security: Integrated firewall, VPN encryption, Umbrella DNS (optional)</a:t>
+              <a:t>Security: Integrated firewall, VPN encryption, and Umbrella DNS</a:t>
             </a:r>
           </a:p>
         </p:txBody>
@@ -5692,7 +5680,7 @@
               <a:t>Client:</a:t>
             </a:r>
             <a:r>
-              <a:t> Retail chain with 30 stores requiring reliable WAN connectivity for POS systems, inventory management, and video surveillance across distributed locations</a:t>
+              <a:t> Retail chain with 30 stores across distributed locations</a:t>
             </a:r>
           </a:p>
           <a:p>
@@ -5702,7 +5690,7 @@
               <a:t>Challenge:</a:t>
             </a:r>
             <a:r>
-              <a:t> $320K annual MPLS costs constraining growth with 8-12 week provisioning delays for new stores. Cloud application performance suffering from MPLS backhauling. No WAN visibility or centralized management creating troubleshooting challenges.</a:t>
+              <a:t> $320K MPLS costs. 8-12 week provisioning delays. Cloud app performance suffering from backhauling.</a:t>
             </a:r>
           </a:p>
           <a:p>
@@ -5712,7 +5700,7 @@
               <a:t>Solution:</a:t>
             </a:r>
             <a:r>
-              <a:t> Deployed Cisco SD-WAN with 30 ISR 4331 branch routers and dual broadband circuits plus LTE backup. Implemented vManage centralized orchestration with application-aware routing for POS, inventory, and cloud apps. Configured direct internet breakout for Office 365 and SaaS applications.</a:t>
+              <a:t> SD-WAN with 30 ISR routers, dual broadband plus LTE, vManage orchestration.</a:t>
             </a:r>
           </a:p>
           <a:p>
@@ -5722,7 +5710,7 @@
               <a:t>Results:</a:t>
             </a:r>
             <a:r>
-              <a:t> 65% WAN cost reduction ($320K to $112K annually) replacing MPLS with broadband plus LTE. 97% faster site deployment (8 weeks to 2 hours) enabling rapid store openings. 70% improvement in Office 365 performance through local internet breakout. Zero-touch provisioning eliminated truck rolls for router configuration. $208K annual savings with 15-month ROI.</a:t>
+              <a:t> 65% cost reduction ($320K to $112K). 97% faster deployment (2 hours vs 8 weeks). $208K annual savings, 15-month ROI.</a:t>
             </a:r>
           </a:p>
           <a:p>
@@ -5732,7 +5720,7 @@
               <a:t>Testimonial:</a:t>
             </a:r>
             <a:r>
-              <a:t> "SD-WAN eliminated our MPLS dependency and slashed our WAN costs by two-thirds. We can open new stores in hours instead of months, and our cloud application performance is phenomenal. The centralized vManage dashboard transformed our WAN operations." — </a:t>
+              <a:t> "SD-WAN slashed our WAN costs by two-thirds. We open new stores in hours instead of months, and cloud performance is phenomenal." — </a:t>
             </a:r>
             <a:r>
               <a:rPr b="1"/>

--- a/solutions/cisco/network/sd-wan-enterprise/presales/solution-briefing.pptx
+++ b/solutions/cisco/network/sd-wan-enterprise/presales/solution-briefing.pptx
@@ -693,6 +693,39 @@
       </p:grpSpPr>
       <p:sp>
         <p:nvSpPr>
+          <p:cNvPr id="12" name="Picture Placeholder 13">
+            <a:extLst>
+              <a:ext uri="{FF2B5EF4-FFF2-40B4-BE49-F238E27FC236}">
+                <a16:creationId xmlns:a16="http://schemas.microsoft.com/office/drawing/2014/main" id="{2DB97592-C4D5-B315-7F11-AA14F6EE8A62}"/>
+              </a:ext>
+            </a:extLst>
+          </p:cNvPr>
+          <p:cNvSpPr>
+            <a:spLocks noGrp="1"/>
+          </p:cNvSpPr>
+          <p:nvPr>
+            <p:ph type="pic" sz="quarter" idx="13"/>
+          </p:nvPr>
+        </p:nvSpPr>
+        <p:spPr>
+          <a:xfrm>
+            <a:off x="313593" y="4536078"/>
+            <a:ext cx="2143858" cy="529698"/>
+          </a:xfrm>
+          <a:prstGeom prst="rect">
+            <a:avLst/>
+          </a:prstGeom>
+        </p:spPr>
+        <p:txBody>
+          <a:bodyPr/>
+          <a:lstStyle/>
+          <a:p>
+            <a:endParaRPr lang="en-US" dirty="0"/>
+          </a:p>
+        </p:txBody>
+      </p:sp>
+      <p:sp>
+        <p:nvSpPr>
           <p:cNvPr id="3" name="Shape 1">
             <a:extLst>
               <a:ext uri="{FF2B5EF4-FFF2-40B4-BE49-F238E27FC236}">
@@ -782,39 +815,6 @@
               <a:rPr lang="en-US" dirty="0"/>
               <a:t>Slide Title</a:t>
             </a:r>
-          </a:p>
-        </p:txBody>
-      </p:sp>
-      <p:sp>
-        <p:nvSpPr>
-          <p:cNvPr id="12" name="Picture Placeholder 13">
-            <a:extLst>
-              <a:ext uri="{FF2B5EF4-FFF2-40B4-BE49-F238E27FC236}">
-                <a16:creationId xmlns:a16="http://schemas.microsoft.com/office/drawing/2014/main" id="{2DB97592-C4D5-B315-7F11-AA14F6EE8A62}"/>
-              </a:ext>
-            </a:extLst>
-          </p:cNvPr>
-          <p:cNvSpPr>
-            <a:spLocks noGrp="1"/>
-          </p:cNvSpPr>
-          <p:nvPr>
-            <p:ph type="pic" sz="quarter" idx="13"/>
-          </p:nvPr>
-        </p:nvSpPr>
-        <p:spPr>
-          <a:xfrm>
-            <a:off x="313593" y="4536078"/>
-            <a:ext cx="2143858" cy="529698"/>
-          </a:xfrm>
-          <a:prstGeom prst="rect">
-            <a:avLst/>
-          </a:prstGeom>
-        </p:spPr>
-        <p:txBody>
-          <a:bodyPr/>
-          <a:lstStyle/>
-          <a:p>
-            <a:endParaRPr lang="en-US" dirty="0"/>
           </a:p>
         </p:txBody>
       </p:sp>
@@ -971,6 +971,39 @@
       </p:grpSpPr>
       <p:sp>
         <p:nvSpPr>
+          <p:cNvPr id="12" name="Picture Placeholder 13">
+            <a:extLst>
+              <a:ext uri="{FF2B5EF4-FFF2-40B4-BE49-F238E27FC236}">
+                <a16:creationId xmlns:a16="http://schemas.microsoft.com/office/drawing/2014/main" id="{2DB97592-C4D5-B315-7F11-AA14F6EE8A62}"/>
+              </a:ext>
+            </a:extLst>
+          </p:cNvPr>
+          <p:cNvSpPr>
+            <a:spLocks noGrp="1"/>
+          </p:cNvSpPr>
+          <p:nvPr>
+            <p:ph type="pic" sz="quarter" idx="13"/>
+          </p:nvPr>
+        </p:nvSpPr>
+        <p:spPr>
+          <a:xfrm>
+            <a:off x="313593" y="4536078"/>
+            <a:ext cx="2143858" cy="529698"/>
+          </a:xfrm>
+          <a:prstGeom prst="rect">
+            <a:avLst/>
+          </a:prstGeom>
+        </p:spPr>
+        <p:txBody>
+          <a:bodyPr/>
+          <a:lstStyle/>
+          <a:p>
+            <a:endParaRPr lang="en-US" dirty="0"/>
+          </a:p>
+        </p:txBody>
+      </p:sp>
+      <p:sp>
+        <p:nvSpPr>
           <p:cNvPr id="3" name="Shape 1">
             <a:extLst>
               <a:ext uri="{FF2B5EF4-FFF2-40B4-BE49-F238E27FC236}">
@@ -1060,39 +1093,6 @@
               <a:rPr lang="en-US" dirty="0"/>
               <a:t>Bullet Points</a:t>
             </a:r>
-          </a:p>
-        </p:txBody>
-      </p:sp>
-      <p:sp>
-        <p:nvSpPr>
-          <p:cNvPr id="12" name="Picture Placeholder 13">
-            <a:extLst>
-              <a:ext uri="{FF2B5EF4-FFF2-40B4-BE49-F238E27FC236}">
-                <a16:creationId xmlns:a16="http://schemas.microsoft.com/office/drawing/2014/main" id="{2DB97592-C4D5-B315-7F11-AA14F6EE8A62}"/>
-              </a:ext>
-            </a:extLst>
-          </p:cNvPr>
-          <p:cNvSpPr>
-            <a:spLocks noGrp="1"/>
-          </p:cNvSpPr>
-          <p:nvPr>
-            <p:ph type="pic" sz="quarter" idx="13"/>
-          </p:nvPr>
-        </p:nvSpPr>
-        <p:spPr>
-          <a:xfrm>
-            <a:off x="313593" y="4536078"/>
-            <a:ext cx="2143858" cy="529698"/>
-          </a:xfrm>
-          <a:prstGeom prst="rect">
-            <a:avLst/>
-          </a:prstGeom>
-        </p:spPr>
-        <p:txBody>
-          <a:bodyPr/>
-          <a:lstStyle/>
-          <a:p>
-            <a:endParaRPr lang="en-US" dirty="0"/>
           </a:p>
         </p:txBody>
       </p:sp>
@@ -1235,6 +1235,39 @@
       </p:grpSpPr>
       <p:sp>
         <p:nvSpPr>
+          <p:cNvPr id="10" name="Picture Placeholder 13">
+            <a:extLst>
+              <a:ext uri="{FF2B5EF4-FFF2-40B4-BE49-F238E27FC236}">
+                <a16:creationId xmlns:a16="http://schemas.microsoft.com/office/drawing/2014/main" id="{6A0FA445-7602-F06E-EC73-5504EBF827CC}"/>
+              </a:ext>
+            </a:extLst>
+          </p:cNvPr>
+          <p:cNvSpPr>
+            <a:spLocks noGrp="1"/>
+          </p:cNvSpPr>
+          <p:nvPr>
+            <p:ph type="pic" sz="quarter" idx="14"/>
+          </p:nvPr>
+        </p:nvSpPr>
+        <p:spPr>
+          <a:xfrm>
+            <a:off x="313592" y="4536078"/>
+            <a:ext cx="2121877" cy="529698"/>
+          </a:xfrm>
+          <a:prstGeom prst="rect">
+            <a:avLst/>
+          </a:prstGeom>
+        </p:spPr>
+        <p:txBody>
+          <a:bodyPr/>
+          <a:lstStyle/>
+          <a:p>
+            <a:endParaRPr lang="en-US" dirty="0"/>
+          </a:p>
+        </p:txBody>
+      </p:sp>
+      <p:sp>
+        <p:nvSpPr>
           <p:cNvPr id="3" name="Shape 1">
             <a:extLst>
               <a:ext uri="{FF2B5EF4-FFF2-40B4-BE49-F238E27FC236}">
@@ -1324,39 +1357,6 @@
               <a:rPr lang="en-US" dirty="0"/>
               <a:t>Two Column Layout</a:t>
             </a:r>
-          </a:p>
-        </p:txBody>
-      </p:sp>
-      <p:sp>
-        <p:nvSpPr>
-          <p:cNvPr id="10" name="Picture Placeholder 13">
-            <a:extLst>
-              <a:ext uri="{FF2B5EF4-FFF2-40B4-BE49-F238E27FC236}">
-                <a16:creationId xmlns:a16="http://schemas.microsoft.com/office/drawing/2014/main" id="{6A0FA445-7602-F06E-EC73-5504EBF827CC}"/>
-              </a:ext>
-            </a:extLst>
-          </p:cNvPr>
-          <p:cNvSpPr>
-            <a:spLocks noGrp="1"/>
-          </p:cNvSpPr>
-          <p:nvPr>
-            <p:ph type="pic" sz="quarter" idx="14"/>
-          </p:nvPr>
-        </p:nvSpPr>
-        <p:spPr>
-          <a:xfrm>
-            <a:off x="313592" y="4536078"/>
-            <a:ext cx="2121877" cy="529698"/>
-          </a:xfrm>
-          <a:prstGeom prst="rect">
-            <a:avLst/>
-          </a:prstGeom>
-        </p:spPr>
-        <p:txBody>
-          <a:bodyPr/>
-          <a:lstStyle/>
-          <a:p>
-            <a:endParaRPr lang="en-US" dirty="0"/>
           </a:p>
         </p:txBody>
       </p:sp>
@@ -1604,6 +1604,39 @@
       </p:grpSpPr>
       <p:sp>
         <p:nvSpPr>
+          <p:cNvPr id="12" name="Picture Placeholder 13">
+            <a:extLst>
+              <a:ext uri="{FF2B5EF4-FFF2-40B4-BE49-F238E27FC236}">
+                <a16:creationId xmlns:a16="http://schemas.microsoft.com/office/drawing/2014/main" id="{2DB97592-C4D5-B315-7F11-AA14F6EE8A62}"/>
+              </a:ext>
+            </a:extLst>
+          </p:cNvPr>
+          <p:cNvSpPr>
+            <a:spLocks noGrp="1"/>
+          </p:cNvSpPr>
+          <p:nvPr>
+            <p:ph type="pic" sz="quarter" idx="13"/>
+          </p:nvPr>
+        </p:nvSpPr>
+        <p:spPr>
+          <a:xfrm>
+            <a:off x="313592" y="4536078"/>
+            <a:ext cx="2126273" cy="529698"/>
+          </a:xfrm>
+          <a:prstGeom prst="rect">
+            <a:avLst/>
+          </a:prstGeom>
+        </p:spPr>
+        <p:txBody>
+          <a:bodyPr/>
+          <a:lstStyle/>
+          <a:p>
+            <a:endParaRPr lang="en-US" dirty="0"/>
+          </a:p>
+        </p:txBody>
+      </p:sp>
+      <p:sp>
+        <p:nvSpPr>
           <p:cNvPr id="3" name="Shape 1">
             <a:extLst>
               <a:ext uri="{FF2B5EF4-FFF2-40B4-BE49-F238E27FC236}">
@@ -1719,39 +1752,6 @@
           </a:p>
           <a:p>
             <a:pPr lvl="0"/>
-            <a:endParaRPr lang="en-US" dirty="0"/>
-          </a:p>
-        </p:txBody>
-      </p:sp>
-      <p:sp>
-        <p:nvSpPr>
-          <p:cNvPr id="12" name="Picture Placeholder 13">
-            <a:extLst>
-              <a:ext uri="{FF2B5EF4-FFF2-40B4-BE49-F238E27FC236}">
-                <a16:creationId xmlns:a16="http://schemas.microsoft.com/office/drawing/2014/main" id="{2DB97592-C4D5-B315-7F11-AA14F6EE8A62}"/>
-              </a:ext>
-            </a:extLst>
-          </p:cNvPr>
-          <p:cNvSpPr>
-            <a:spLocks noGrp="1"/>
-          </p:cNvSpPr>
-          <p:nvPr>
-            <p:ph type="pic" sz="quarter" idx="13"/>
-          </p:nvPr>
-        </p:nvSpPr>
-        <p:spPr>
-          <a:xfrm>
-            <a:off x="313592" y="4536078"/>
-            <a:ext cx="2126273" cy="529698"/>
-          </a:xfrm>
-          <a:prstGeom prst="rect">
-            <a:avLst/>
-          </a:prstGeom>
-        </p:spPr>
-        <p:txBody>
-          <a:bodyPr/>
-          <a:lstStyle/>
-          <a:p>
             <a:endParaRPr lang="en-US" dirty="0"/>
           </a:p>
         </p:txBody>
@@ -1863,6 +1863,39 @@
       </p:grpSpPr>
       <p:sp>
         <p:nvSpPr>
+          <p:cNvPr id="10" name="Picture Placeholder 13">
+            <a:extLst>
+              <a:ext uri="{FF2B5EF4-FFF2-40B4-BE49-F238E27FC236}">
+                <a16:creationId xmlns:a16="http://schemas.microsoft.com/office/drawing/2014/main" id="{6A0FA445-7602-F06E-EC73-5504EBF827CC}"/>
+              </a:ext>
+            </a:extLst>
+          </p:cNvPr>
+          <p:cNvSpPr>
+            <a:spLocks noGrp="1"/>
+          </p:cNvSpPr>
+          <p:nvPr>
+            <p:ph type="pic" sz="quarter" idx="14"/>
+          </p:nvPr>
+        </p:nvSpPr>
+        <p:spPr>
+          <a:xfrm>
+            <a:off x="313592" y="4536078"/>
+            <a:ext cx="2130670" cy="529698"/>
+          </a:xfrm>
+          <a:prstGeom prst="rect">
+            <a:avLst/>
+          </a:prstGeom>
+        </p:spPr>
+        <p:txBody>
+          <a:bodyPr/>
+          <a:lstStyle/>
+          <a:p>
+            <a:endParaRPr lang="en-US" dirty="0"/>
+          </a:p>
+        </p:txBody>
+      </p:sp>
+      <p:sp>
+        <p:nvSpPr>
           <p:cNvPr id="3" name="Shape 1">
             <a:extLst>
               <a:ext uri="{FF2B5EF4-FFF2-40B4-BE49-F238E27FC236}">
@@ -1952,39 +1985,6 @@
               <a:rPr lang="en-US" dirty="0"/>
               <a:t>Visual Content</a:t>
             </a:r>
-          </a:p>
-        </p:txBody>
-      </p:sp>
-      <p:sp>
-        <p:nvSpPr>
-          <p:cNvPr id="10" name="Picture Placeholder 13">
-            <a:extLst>
-              <a:ext uri="{FF2B5EF4-FFF2-40B4-BE49-F238E27FC236}">
-                <a16:creationId xmlns:a16="http://schemas.microsoft.com/office/drawing/2014/main" id="{6A0FA445-7602-F06E-EC73-5504EBF827CC}"/>
-              </a:ext>
-            </a:extLst>
-          </p:cNvPr>
-          <p:cNvSpPr>
-            <a:spLocks noGrp="1"/>
-          </p:cNvSpPr>
-          <p:nvPr>
-            <p:ph type="pic" sz="quarter" idx="14"/>
-          </p:nvPr>
-        </p:nvSpPr>
-        <p:spPr>
-          <a:xfrm>
-            <a:off x="313592" y="4536078"/>
-            <a:ext cx="2130670" cy="529698"/>
-          </a:xfrm>
-          <a:prstGeom prst="rect">
-            <a:avLst/>
-          </a:prstGeom>
-        </p:spPr>
-        <p:txBody>
-          <a:bodyPr/>
-          <a:lstStyle/>
-          <a:p>
-            <a:endParaRPr lang="en-US" dirty="0"/>
           </a:p>
         </p:txBody>
       </p:sp>
@@ -2180,6 +2180,39 @@
       </p:grpSpPr>
       <p:sp>
         <p:nvSpPr>
+          <p:cNvPr id="10" name="Picture Placeholder 13">
+            <a:extLst>
+              <a:ext uri="{FF2B5EF4-FFF2-40B4-BE49-F238E27FC236}">
+                <a16:creationId xmlns:a16="http://schemas.microsoft.com/office/drawing/2014/main" id="{6A0FA445-7602-F06E-EC73-5504EBF827CC}"/>
+              </a:ext>
+            </a:extLst>
+          </p:cNvPr>
+          <p:cNvSpPr>
+            <a:spLocks noGrp="1"/>
+          </p:cNvSpPr>
+          <p:nvPr>
+            <p:ph type="pic" sz="quarter" idx="14"/>
+          </p:nvPr>
+        </p:nvSpPr>
+        <p:spPr>
+          <a:xfrm>
+            <a:off x="313592" y="4536078"/>
+            <a:ext cx="2104294" cy="529698"/>
+          </a:xfrm>
+          <a:prstGeom prst="rect">
+            <a:avLst/>
+          </a:prstGeom>
+        </p:spPr>
+        <p:txBody>
+          <a:bodyPr/>
+          <a:lstStyle/>
+          <a:p>
+            <a:endParaRPr lang="en-US" dirty="0"/>
+          </a:p>
+        </p:txBody>
+      </p:sp>
+      <p:sp>
+        <p:nvSpPr>
           <p:cNvPr id="3" name="Shape 1">
             <a:extLst>
               <a:ext uri="{FF2B5EF4-FFF2-40B4-BE49-F238E27FC236}">
@@ -2269,39 +2302,6 @@
               <a:rPr lang="en-US" dirty="0"/>
               <a:t>Data Visualization</a:t>
             </a:r>
-          </a:p>
-        </p:txBody>
-      </p:sp>
-      <p:sp>
-        <p:nvSpPr>
-          <p:cNvPr id="10" name="Picture Placeholder 13">
-            <a:extLst>
-              <a:ext uri="{FF2B5EF4-FFF2-40B4-BE49-F238E27FC236}">
-                <a16:creationId xmlns:a16="http://schemas.microsoft.com/office/drawing/2014/main" id="{6A0FA445-7602-F06E-EC73-5504EBF827CC}"/>
-              </a:ext>
-            </a:extLst>
-          </p:cNvPr>
-          <p:cNvSpPr>
-            <a:spLocks noGrp="1"/>
-          </p:cNvSpPr>
-          <p:nvPr>
-            <p:ph type="pic" sz="quarter" idx="14"/>
-          </p:nvPr>
-        </p:nvSpPr>
-        <p:spPr>
-          <a:xfrm>
-            <a:off x="313592" y="4536078"/>
-            <a:ext cx="2104294" cy="529698"/>
-          </a:xfrm>
-          <a:prstGeom prst="rect">
-            <a:avLst/>
-          </a:prstGeom>
-        </p:spPr>
-        <p:txBody>
-          <a:bodyPr/>
-          <a:lstStyle/>
-          <a:p>
-            <a:endParaRPr lang="en-US" dirty="0"/>
           </a:p>
         </p:txBody>
       </p:sp>
@@ -3423,7 +3423,7 @@
       <p:grpSpPr/>
       <p:sp>
         <p:nvSpPr>
-          <p:cNvPr id="2" name="Text Placeholder 1"/>
+          <p:cNvPr id="3" name="Text Placeholder 2"/>
           <p:cNvSpPr>
             <a:spLocks noGrp="1"/>
           </p:cNvSpPr>
@@ -3727,7 +3727,7 @@
       <p:grpSpPr/>
       <p:sp>
         <p:nvSpPr>
-          <p:cNvPr id="2" name="Text Placeholder 1"/>
+          <p:cNvPr id="3" name="Text Placeholder 2"/>
           <p:cNvSpPr>
             <a:spLocks noGrp="1"/>
           </p:cNvSpPr>
@@ -3902,7 +3902,7 @@
       <p:grpSpPr/>
       <p:sp>
         <p:nvSpPr>
-          <p:cNvPr id="2" name="Text Placeholder 1"/>
+          <p:cNvPr id="3" name="Text Placeholder 2"/>
           <p:cNvSpPr>
             <a:spLocks noGrp="1"/>
           </p:cNvSpPr>
@@ -4770,7 +4770,7 @@
       <p:grpSpPr/>
       <p:sp>
         <p:nvSpPr>
-          <p:cNvPr id="2" name="Text Placeholder 1"/>
+          <p:cNvPr id="3" name="Text Placeholder 2"/>
           <p:cNvSpPr>
             <a:spLocks noGrp="1"/>
           </p:cNvSpPr>
@@ -4959,7 +4959,7 @@
       <p:grpSpPr/>
       <p:sp>
         <p:nvSpPr>
-          <p:cNvPr id="2" name="Text Placeholder 1"/>
+          <p:cNvPr id="3" name="Text Placeholder 2"/>
           <p:cNvSpPr>
             <a:spLocks noGrp="1"/>
           </p:cNvSpPr>
@@ -5143,7 +5143,7 @@
       <p:grpSpPr/>
       <p:sp>
         <p:nvSpPr>
-          <p:cNvPr id="2" name="Text Placeholder 1"/>
+          <p:cNvPr id="3" name="Text Placeholder 2"/>
           <p:cNvSpPr>
             <a:spLocks noGrp="1"/>
           </p:cNvSpPr>
@@ -5632,7 +5632,7 @@
       <p:grpSpPr/>
       <p:sp>
         <p:nvSpPr>
-          <p:cNvPr id="2" name="Text Placeholder 1"/>
+          <p:cNvPr id="3" name="Text Placeholder 2"/>
           <p:cNvSpPr>
             <a:spLocks noGrp="1"/>
           </p:cNvSpPr>
@@ -5805,7 +5805,7 @@
       <p:grpSpPr/>
       <p:sp>
         <p:nvSpPr>
-          <p:cNvPr id="2" name="Text Placeholder 1"/>
+          <p:cNvPr id="3" name="Text Placeholder 2"/>
           <p:cNvSpPr>
             <a:spLocks noGrp="1"/>
           </p:cNvSpPr>
@@ -5992,7 +5992,7 @@
       <p:grpSpPr/>
       <p:sp>
         <p:nvSpPr>
-          <p:cNvPr id="2" name="Text Placeholder 1"/>
+          <p:cNvPr id="3" name="Text Placeholder 2"/>
           <p:cNvSpPr>
             <a:spLocks noGrp="1"/>
           </p:cNvSpPr>

--- a/solutions/cisco/network/sd-wan-enterprise/presales/solution-briefing.pptx
+++ b/solutions/cisco/network/sd-wan-enterprise/presales/solution-briefing.pptx
@@ -3326,7 +3326,7 @@
           <a:lstStyle/>
           <a:p>
             <a:r>
-              <a:t>['Presenter Name'] | November 22, 2025</a:t>
+              <a:t>['Presenter Name'] | November 24, 2025</a:t>
             </a:r>
           </a:p>
         </p:txBody>
@@ -6215,7 +6215,7 @@
                     <a:p>
                       <a:r>
                         <a:rPr sz="1100"/>
-                        <a:t>$80,200</a:t>
+                        <a:t>$0</a:t>
                       </a:r>
                     </a:p>
                   </a:txBody>
@@ -6249,7 +6249,7 @@
                     <a:p>
                       <a:r>
                         <a:rPr sz="1100"/>
-                        <a:t>$80,200</a:t>
+                        <a:t>$0</a:t>
                       </a:r>
                     </a:p>
                   </a:txBody>
@@ -6300,7 +6300,7 @@
                     <a:p>
                       <a:r>
                         <a:rPr sz="1100"/>
-                        <a:t>$80,200</a:t>
+                        <a:t>$0</a:t>
                       </a:r>
                     </a:p>
                   </a:txBody>
@@ -6319,6 +6319,127 @@
                     <a:p>
                       <a:r>
                         <a:rPr sz="1100"/>
+                        <a:t>Connectivity</a:t>
+                      </a:r>
+                    </a:p>
+                  </a:txBody>
+                  <a:tcPr>
+                    <a:solidFill>
+                      <a:srgbClr val="E7E6E6"/>
+                    </a:solidFill>
+                  </a:tcPr>
+                </a:tc>
+                <a:tc>
+                  <a:txBody>
+                    <a:bodyPr/>
+                    <a:lstStyle/>
+                    <a:p>
+                      <a:r>
+                        <a:rPr sz="1100"/>
+                        <a:t>$103,800</a:t>
+                      </a:r>
+                    </a:p>
+                  </a:txBody>
+                  <a:tcPr>
+                    <a:solidFill>
+                      <a:srgbClr val="E7E6E6"/>
+                    </a:solidFill>
+                  </a:tcPr>
+                </a:tc>
+                <a:tc>
+                  <a:txBody>
+                    <a:bodyPr/>
+                    <a:lstStyle/>
+                    <a:p>
+                      <a:r>
+                        <a:rPr sz="1100"/>
+                        <a:t>($12,000)</a:t>
+                      </a:r>
+                    </a:p>
+                  </a:txBody>
+                  <a:tcPr>
+                    <a:solidFill>
+                      <a:srgbClr val="E7E6E6"/>
+                    </a:solidFill>
+                  </a:tcPr>
+                </a:tc>
+                <a:tc>
+                  <a:txBody>
+                    <a:bodyPr/>
+                    <a:lstStyle/>
+                    <a:p>
+                      <a:r>
+                        <a:rPr sz="1100"/>
+                        <a:t>$91,800</a:t>
+                      </a:r>
+                    </a:p>
+                  </a:txBody>
+                  <a:tcPr>
+                    <a:solidFill>
+                      <a:srgbClr val="E7E6E6"/>
+                    </a:solidFill>
+                  </a:tcPr>
+                </a:tc>
+                <a:tc>
+                  <a:txBody>
+                    <a:bodyPr/>
+                    <a:lstStyle/>
+                    <a:p>
+                      <a:r>
+                        <a:rPr sz="1100"/>
+                        <a:t>$103,800</a:t>
+                      </a:r>
+                    </a:p>
+                  </a:txBody>
+                  <a:tcPr>
+                    <a:solidFill>
+                      <a:srgbClr val="E7E6E6"/>
+                    </a:solidFill>
+                  </a:tcPr>
+                </a:tc>
+                <a:tc>
+                  <a:txBody>
+                    <a:bodyPr/>
+                    <a:lstStyle/>
+                    <a:p>
+                      <a:r>
+                        <a:rPr sz="1100"/>
+                        <a:t>$103,800</a:t>
+                      </a:r>
+                    </a:p>
+                  </a:txBody>
+                  <a:tcPr>
+                    <a:solidFill>
+                      <a:srgbClr val="E7E6E6"/>
+                    </a:solidFill>
+                  </a:tcPr>
+                </a:tc>
+                <a:tc>
+                  <a:txBody>
+                    <a:bodyPr/>
+                    <a:lstStyle/>
+                    <a:p>
+                      <a:r>
+                        <a:rPr sz="1100"/>
+                        <a:t>$299,400</a:t>
+                      </a:r>
+                    </a:p>
+                  </a:txBody>
+                  <a:tcPr>
+                    <a:solidFill>
+                      <a:srgbClr val="E7E6E6"/>
+                    </a:solidFill>
+                  </a:tcPr>
+                </a:tc>
+              </a:tr>
+              <a:tr h="370840">
+                <a:tc>
+                  <a:txBody>
+                    <a:bodyPr/>
+                    <a:lstStyle/>
+                    <a:p>
+                      <a:r>
+                        <a:rPr sz="1100"/>
                         <a:t>Hardware</a:t>
                       </a:r>
                     </a:p>
@@ -6440,7 +6561,7 @@
                     <a:p>
                       <a:r>
                         <a:rPr sz="1100"/>
-                        <a:t>Software</a:t>
+                        <a:t>Software Licenses</a:t>
                       </a:r>
                     </a:p>
                   </a:txBody>
@@ -6561,7 +6682,7 @@
                     <a:p>
                       <a:r>
                         <a:rPr sz="1100"/>
-                        <a:t>Support</a:t>
+                        <a:t>Support &amp; Maintenance</a:t>
                       </a:r>
                     </a:p>
                   </a:txBody>
@@ -6681,127 +6802,6 @@
                     <a:lstStyle/>
                     <a:p>
                       <a:r>
-                        <a:rPr sz="1100"/>
-                        <a:t>WAN Circuits</a:t>
-                      </a:r>
-                    </a:p>
-                  </a:txBody>
-                  <a:tcPr>
-                    <a:solidFill>
-                      <a:srgbClr val="E7E6E6"/>
-                    </a:solidFill>
-                  </a:tcPr>
-                </a:tc>
-                <a:tc>
-                  <a:txBody>
-                    <a:bodyPr/>
-                    <a:lstStyle/>
-                    <a:p>
-                      <a:r>
-                        <a:rPr sz="1100"/>
-                        <a:t>$103,800</a:t>
-                      </a:r>
-                    </a:p>
-                  </a:txBody>
-                  <a:tcPr>
-                    <a:solidFill>
-                      <a:srgbClr val="E7E6E6"/>
-                    </a:solidFill>
-                  </a:tcPr>
-                </a:tc>
-                <a:tc>
-                  <a:txBody>
-                    <a:bodyPr/>
-                    <a:lstStyle/>
-                    <a:p>
-                      <a:r>
-                        <a:rPr sz="1100"/>
-                        <a:t>($12,000)</a:t>
-                      </a:r>
-                    </a:p>
-                  </a:txBody>
-                  <a:tcPr>
-                    <a:solidFill>
-                      <a:srgbClr val="E7E6E6"/>
-                    </a:solidFill>
-                  </a:tcPr>
-                </a:tc>
-                <a:tc>
-                  <a:txBody>
-                    <a:bodyPr/>
-                    <a:lstStyle/>
-                    <a:p>
-                      <a:r>
-                        <a:rPr sz="1100"/>
-                        <a:t>$91,800</a:t>
-                      </a:r>
-                    </a:p>
-                  </a:txBody>
-                  <a:tcPr>
-                    <a:solidFill>
-                      <a:srgbClr val="E7E6E6"/>
-                    </a:solidFill>
-                  </a:tcPr>
-                </a:tc>
-                <a:tc>
-                  <a:txBody>
-                    <a:bodyPr/>
-                    <a:lstStyle/>
-                    <a:p>
-                      <a:r>
-                        <a:rPr sz="1100"/>
-                        <a:t>$103,800</a:t>
-                      </a:r>
-                    </a:p>
-                  </a:txBody>
-                  <a:tcPr>
-                    <a:solidFill>
-                      <a:srgbClr val="E7E6E6"/>
-                    </a:solidFill>
-                  </a:tcPr>
-                </a:tc>
-                <a:tc>
-                  <a:txBody>
-                    <a:bodyPr/>
-                    <a:lstStyle/>
-                    <a:p>
-                      <a:r>
-                        <a:rPr sz="1100"/>
-                        <a:t>$103,800</a:t>
-                      </a:r>
-                    </a:p>
-                  </a:txBody>
-                  <a:tcPr>
-                    <a:solidFill>
-                      <a:srgbClr val="E7E6E6"/>
-                    </a:solidFill>
-                  </a:tcPr>
-                </a:tc>
-                <a:tc>
-                  <a:txBody>
-                    <a:bodyPr/>
-                    <a:lstStyle/>
-                    <a:p>
-                      <a:r>
-                        <a:rPr sz="1100"/>
-                        <a:t>$299,400</a:t>
-                      </a:r>
-                    </a:p>
-                  </a:txBody>
-                  <a:tcPr>
-                    <a:solidFill>
-                      <a:srgbClr val="E7E6E6"/>
-                    </a:solidFill>
-                  </a:tcPr>
-                </a:tc>
-              </a:tr>
-              <a:tr h="370840">
-                <a:tc>
-                  <a:txBody>
-                    <a:bodyPr/>
-                    <a:lstStyle/>
-                    <a:p>
-                      <a:r>
                         <a:rPr b="1" sz="1100"/>
                         <a:t>TOTAL</a:t>
                       </a:r>
@@ -6820,7 +6820,7 @@
                     <a:p>
                       <a:r>
                         <a:rPr b="1" sz="1100"/>
-                        <a:t>$395,900</a:t>
+                        <a:t>$315,700</a:t>
                       </a:r>
                     </a:p>
                   </a:txBody>
@@ -6854,7 +6854,7 @@
                     <a:p>
                       <a:r>
                         <a:rPr b="1" sz="1100"/>
-                        <a:t>$360,900</a:t>
+                        <a:t>$280,700</a:t>
                       </a:r>
                     </a:p>
                   </a:txBody>
@@ -6905,7 +6905,7 @@
                     <a:p>
                       <a:r>
                         <a:rPr b="1" sz="1100"/>
-                        <a:t>$719,300</a:t>
+                        <a:t>$639,100</a:t>
                       </a:r>
                     </a:p>
                   </a:txBody>
